--- a/2022_quant-connect/algorithmic-trading-a-z/9_custom-data_twitter-bot.pptx
+++ b/2022_quant-connect/algorithmic-trading-a-z/9_custom-data_twitter-bot.pptx
@@ -13,10 +13,8 @@
     <p:sldId id="354" r:id="rId7"/>
     <p:sldId id="355" r:id="rId8"/>
     <p:sldId id="350" r:id="rId9"/>
-    <p:sldId id="358" r:id="rId10"/>
-    <p:sldId id="356" r:id="rId11"/>
-    <p:sldId id="357" r:id="rId12"/>
-    <p:sldId id="351" r:id="rId13"/>
+    <p:sldId id="359" r:id="rId10"/>
+    <p:sldId id="358" r:id="rId11"/>
   </p:sldIdLst>
   <p:sldSz cx="12192000" cy="6858000"/>
   <p:notesSz cx="6858000" cy="9144000"/>
@@ -272,7 +270,7 @@
           <a:p>
             <a:fld id="{0EF87801-B2A9-48F3-993F-A5EECD81C4E9}" type="datetimeFigureOut">
               <a:rPr lang="en-SG" smtClean="0"/>
-              <a:t>28/9/2022</a:t>
+              <a:t>30/9/2022</a:t>
             </a:fld>
             <a:endParaRPr lang="en-SG"/>
           </a:p>
@@ -472,7 +470,7 @@
           <a:p>
             <a:fld id="{0EF87801-B2A9-48F3-993F-A5EECD81C4E9}" type="datetimeFigureOut">
               <a:rPr lang="en-SG" smtClean="0"/>
-              <a:t>28/9/2022</a:t>
+              <a:t>30/9/2022</a:t>
             </a:fld>
             <a:endParaRPr lang="en-SG"/>
           </a:p>
@@ -682,7 +680,7 @@
           <a:p>
             <a:fld id="{0EF87801-B2A9-48F3-993F-A5EECD81C4E9}" type="datetimeFigureOut">
               <a:rPr lang="en-SG" smtClean="0"/>
-              <a:t>28/9/2022</a:t>
+              <a:t>30/9/2022</a:t>
             </a:fld>
             <a:endParaRPr lang="en-SG"/>
           </a:p>
@@ -882,7 +880,7 @@
           <a:p>
             <a:fld id="{0EF87801-B2A9-48F3-993F-A5EECD81C4E9}" type="datetimeFigureOut">
               <a:rPr lang="en-SG" smtClean="0"/>
-              <a:t>28/9/2022</a:t>
+              <a:t>30/9/2022</a:t>
             </a:fld>
             <a:endParaRPr lang="en-SG"/>
           </a:p>
@@ -1158,7 +1156,7 @@
           <a:p>
             <a:fld id="{0EF87801-B2A9-48F3-993F-A5EECD81C4E9}" type="datetimeFigureOut">
               <a:rPr lang="en-SG" smtClean="0"/>
-              <a:t>28/9/2022</a:t>
+              <a:t>30/9/2022</a:t>
             </a:fld>
             <a:endParaRPr lang="en-SG"/>
           </a:p>
@@ -1426,7 +1424,7 @@
           <a:p>
             <a:fld id="{0EF87801-B2A9-48F3-993F-A5EECD81C4E9}" type="datetimeFigureOut">
               <a:rPr lang="en-SG" smtClean="0"/>
-              <a:t>28/9/2022</a:t>
+              <a:t>30/9/2022</a:t>
             </a:fld>
             <a:endParaRPr lang="en-SG"/>
           </a:p>
@@ -1841,7 +1839,7 @@
           <a:p>
             <a:fld id="{0EF87801-B2A9-48F3-993F-A5EECD81C4E9}" type="datetimeFigureOut">
               <a:rPr lang="en-SG" smtClean="0"/>
-              <a:t>28/9/2022</a:t>
+              <a:t>30/9/2022</a:t>
             </a:fld>
             <a:endParaRPr lang="en-SG"/>
           </a:p>
@@ -1983,7 +1981,7 @@
           <a:p>
             <a:fld id="{0EF87801-B2A9-48F3-993F-A5EECD81C4E9}" type="datetimeFigureOut">
               <a:rPr lang="en-SG" smtClean="0"/>
-              <a:t>28/9/2022</a:t>
+              <a:t>30/9/2022</a:t>
             </a:fld>
             <a:endParaRPr lang="en-SG"/>
           </a:p>
@@ -2096,7 +2094,7 @@
           <a:p>
             <a:fld id="{0EF87801-B2A9-48F3-993F-A5EECD81C4E9}" type="datetimeFigureOut">
               <a:rPr lang="en-SG" smtClean="0"/>
-              <a:t>28/9/2022</a:t>
+              <a:t>30/9/2022</a:t>
             </a:fld>
             <a:endParaRPr lang="en-SG"/>
           </a:p>
@@ -2409,7 +2407,7 @@
           <a:p>
             <a:fld id="{0EF87801-B2A9-48F3-993F-A5EECD81C4E9}" type="datetimeFigureOut">
               <a:rPr lang="en-SG" smtClean="0"/>
-              <a:t>28/9/2022</a:t>
+              <a:t>30/9/2022</a:t>
             </a:fld>
             <a:endParaRPr lang="en-SG"/>
           </a:p>
@@ -2698,7 +2696,7 @@
           <a:p>
             <a:fld id="{0EF87801-B2A9-48F3-993F-A5EECD81C4E9}" type="datetimeFigureOut">
               <a:rPr lang="en-SG" smtClean="0"/>
-              <a:t>28/9/2022</a:t>
+              <a:t>30/9/2022</a:t>
             </a:fld>
             <a:endParaRPr lang="en-SG"/>
           </a:p>
@@ -2941,7 +2939,7 @@
           <a:p>
             <a:fld id="{0EF87801-B2A9-48F3-993F-A5EECD81C4E9}" type="datetimeFigureOut">
               <a:rPr lang="en-SG" smtClean="0"/>
-              <a:t>28/9/2022</a:t>
+              <a:t>30/9/2022</a:t>
             </a:fld>
             <a:endParaRPr lang="en-SG"/>
           </a:p>
@@ -3441,70 +3439,97 @@
           <a:chExt cx="0" cy="0"/>
         </a:xfrm>
       </p:grpSpPr>
+      <p:sp>
+        <p:nvSpPr>
+          <p:cNvPr id="3" name="Content Placeholder 2">
+            <a:extLst>
+              <a:ext uri="{FF2B5EF4-FFF2-40B4-BE49-F238E27FC236}">
+                <a16:creationId xmlns:a16="http://schemas.microsoft.com/office/drawing/2014/main" id="{F42BE5CC-9BC5-E03A-D432-A315B3C7598C}"/>
+              </a:ext>
+            </a:extLst>
+          </p:cNvPr>
+          <p:cNvSpPr>
+            <a:spLocks noGrp="1"/>
+          </p:cNvSpPr>
+          <p:nvPr>
+            <p:ph idx="1"/>
+          </p:nvPr>
+        </p:nvSpPr>
+        <p:spPr>
+          <a:xfrm>
+            <a:off x="838200" y="637309"/>
+            <a:ext cx="10515600" cy="5539654"/>
+          </a:xfrm>
+        </p:spPr>
+        <p:txBody>
+          <a:bodyPr/>
+          <a:lstStyle/>
+          <a:p>
+            <a:r>
+              <a:rPr lang="en-US" dirty="0"/>
+              <a:t>Preprocessed Elon Musk data</a:t>
+            </a:r>
+            <a:br>
+              <a:rPr lang="en-US" dirty="0"/>
+            </a:br>
+            <a:r>
+              <a:rPr lang="en-US" dirty="0">
+                <a:hlinkClick r:id="rId2"/>
+              </a:rPr>
+              <a:t>https://www.dropbox.com/s/ovnsrgg1fou1y0r/MuskTweetsPreProcessed.csv?dl=0</a:t>
+            </a:r>
+            <a:endParaRPr lang="en-US" dirty="0"/>
+          </a:p>
+          <a:p>
+            <a:endParaRPr lang="en-US" dirty="0"/>
+          </a:p>
+          <a:p>
+            <a:r>
+              <a:rPr lang="en-US" dirty="0"/>
+              <a:t>Kaggle Elon Musk dataset</a:t>
+            </a:r>
+            <a:br>
+              <a:rPr lang="en-US" dirty="0"/>
+            </a:br>
+            <a:r>
+              <a:rPr lang="en-US" dirty="0">
+                <a:hlinkClick r:id="rId3"/>
+              </a:rPr>
+              <a:t>https://www.kaggle.com/kulgen/elon-musks-tweets</a:t>
+            </a:r>
+            <a:br>
+              <a:rPr lang="en-US" dirty="0"/>
+            </a:br>
+            <a:endParaRPr lang="en-US" dirty="0"/>
+          </a:p>
+          <a:p>
+            <a:r>
+              <a:rPr lang="en-SG" dirty="0"/>
+              <a:t>QuantConnect custom data docs</a:t>
+            </a:r>
+            <a:br>
+              <a:rPr lang="en-SG" dirty="0"/>
+            </a:br>
+            <a:r>
+              <a:rPr lang="en-SG" dirty="0">
+                <a:hlinkClick r:id="rId4"/>
+              </a:rPr>
+              <a:t>https://www.quantconnect.com/docs/algorithm-reference/importing-custom-data?ref=towm</a:t>
+            </a:r>
+            <a:br>
+              <a:rPr lang="en-SG" dirty="0"/>
+            </a:br>
+            <a:endParaRPr lang="en-SG" dirty="0"/>
+          </a:p>
+          <a:p>
+            <a:endParaRPr lang="en-SG" dirty="0"/>
+          </a:p>
+        </p:txBody>
+      </p:sp>
     </p:spTree>
     <p:extLst>
       <p:ext uri="{BB962C8B-B14F-4D97-AF65-F5344CB8AC3E}">
-        <p14:creationId xmlns:p14="http://schemas.microsoft.com/office/powerpoint/2010/main" val="2346922722"/>
-      </p:ext>
-    </p:extLst>
-  </p:cSld>
-  <p:clrMapOvr>
-    <a:masterClrMapping/>
-  </p:clrMapOvr>
-</p:sld>
-</file>
-
-<file path=ppt/slides/slide11.xml><?xml version="1.0" encoding="utf-8"?>
-<p:sld xmlns:a="http://schemas.openxmlformats.org/drawingml/2006/main" xmlns:r="http://schemas.openxmlformats.org/officeDocument/2006/relationships" xmlns:p="http://schemas.openxmlformats.org/presentationml/2006/main">
-  <p:cSld>
-    <p:spTree>
-      <p:nvGrpSpPr>
-        <p:cNvPr id="1" name=""/>
-        <p:cNvGrpSpPr/>
-        <p:nvPr/>
-      </p:nvGrpSpPr>
-      <p:grpSpPr>
-        <a:xfrm>
-          <a:off x="0" y="0"/>
-          <a:ext cx="0" cy="0"/>
-          <a:chOff x="0" y="0"/>
-          <a:chExt cx="0" cy="0"/>
-        </a:xfrm>
-      </p:grpSpPr>
-    </p:spTree>
-    <p:extLst>
-      <p:ext uri="{BB962C8B-B14F-4D97-AF65-F5344CB8AC3E}">
-        <p14:creationId xmlns:p14="http://schemas.microsoft.com/office/powerpoint/2010/main" val="1311377955"/>
-      </p:ext>
-    </p:extLst>
-  </p:cSld>
-  <p:clrMapOvr>
-    <a:masterClrMapping/>
-  </p:clrMapOvr>
-</p:sld>
-</file>
-
-<file path=ppt/slides/slide12.xml><?xml version="1.0" encoding="utf-8"?>
-<p:sld xmlns:a="http://schemas.openxmlformats.org/drawingml/2006/main" xmlns:r="http://schemas.openxmlformats.org/officeDocument/2006/relationships" xmlns:p="http://schemas.openxmlformats.org/presentationml/2006/main">
-  <p:cSld>
-    <p:spTree>
-      <p:nvGrpSpPr>
-        <p:cNvPr id="1" name=""/>
-        <p:cNvGrpSpPr/>
-        <p:nvPr/>
-      </p:nvGrpSpPr>
-      <p:grpSpPr>
-        <a:xfrm>
-          <a:off x="0" y="0"/>
-          <a:ext cx="0" cy="0"/>
-          <a:chOff x="0" y="0"/>
-          <a:chExt cx="0" cy="0"/>
-        </a:xfrm>
-      </p:grpSpPr>
-    </p:spTree>
-    <p:extLst>
-      <p:ext uri="{BB962C8B-B14F-4D97-AF65-F5344CB8AC3E}">
-        <p14:creationId xmlns:p14="http://schemas.microsoft.com/office/powerpoint/2010/main" val="3504141880"/>
+        <p14:creationId xmlns:p14="http://schemas.microsoft.com/office/powerpoint/2010/main" val="3771744701"/>
       </p:ext>
     </p:extLst>
   </p:cSld>
@@ -4214,6 +4239,36 @@
           <a:chExt cx="0" cy="0"/>
         </a:xfrm>
       </p:grpSpPr>
+      <p:pic>
+        <p:nvPicPr>
+          <p:cNvPr id="3" name="Picture 2">
+            <a:extLst>
+              <a:ext uri="{FF2B5EF4-FFF2-40B4-BE49-F238E27FC236}">
+                <a16:creationId xmlns:a16="http://schemas.microsoft.com/office/drawing/2014/main" id="{FB49387C-04F0-34C4-DD23-103CECB9039F}"/>
+              </a:ext>
+            </a:extLst>
+          </p:cNvPr>
+          <p:cNvPicPr>
+            <a:picLocks noChangeAspect="1"/>
+          </p:cNvPicPr>
+          <p:nvPr/>
+        </p:nvPicPr>
+        <p:blipFill>
+          <a:blip r:embed="rId2"/>
+          <a:stretch>
+            <a:fillRect/>
+          </a:stretch>
+        </p:blipFill>
+        <p:spPr>
+          <a:xfrm>
+            <a:off x="0" y="1043009"/>
+            <a:ext cx="12192000" cy="4771982"/>
+          </a:xfrm>
+          <a:prstGeom prst="rect">
+            <a:avLst/>
+          </a:prstGeom>
+        </p:spPr>
+      </p:pic>
     </p:spTree>
     <p:extLst>
       <p:ext uri="{BB962C8B-B14F-4D97-AF65-F5344CB8AC3E}">
@@ -4244,97 +4299,70 @@
           <a:chExt cx="0" cy="0"/>
         </a:xfrm>
       </p:grpSpPr>
-      <p:sp>
-        <p:nvSpPr>
-          <p:cNvPr id="3" name="Content Placeholder 2">
-            <a:extLst>
-              <a:ext uri="{FF2B5EF4-FFF2-40B4-BE49-F238E27FC236}">
-                <a16:creationId xmlns:a16="http://schemas.microsoft.com/office/drawing/2014/main" id="{F42BE5CC-9BC5-E03A-D432-A315B3C7598C}"/>
-              </a:ext>
-            </a:extLst>
-          </p:cNvPr>
-          <p:cNvSpPr>
-            <a:spLocks noGrp="1"/>
-          </p:cNvSpPr>
-          <p:nvPr>
-            <p:ph idx="1"/>
-          </p:nvPr>
-        </p:nvSpPr>
+      <p:pic>
+        <p:nvPicPr>
+          <p:cNvPr id="4" name="Picture 3">
+            <a:extLst>
+              <a:ext uri="{FF2B5EF4-FFF2-40B4-BE49-F238E27FC236}">
+                <a16:creationId xmlns:a16="http://schemas.microsoft.com/office/drawing/2014/main" id="{62D3FB96-F27B-C054-DCB5-889F9BE0BE7E}"/>
+              </a:ext>
+            </a:extLst>
+          </p:cNvPr>
+          <p:cNvPicPr>
+            <a:picLocks noChangeAspect="1"/>
+          </p:cNvPicPr>
+          <p:nvPr/>
+        </p:nvPicPr>
+        <p:blipFill>
+          <a:blip r:embed="rId2"/>
+          <a:stretch>
+            <a:fillRect/>
+          </a:stretch>
+        </p:blipFill>
         <p:spPr>
           <a:xfrm>
-            <a:off x="838200" y="637309"/>
-            <a:ext cx="10515600" cy="5539654"/>
+            <a:off x="0" y="318709"/>
+            <a:ext cx="5486400" cy="5420481"/>
           </a:xfrm>
+          <a:prstGeom prst="rect">
+            <a:avLst/>
+          </a:prstGeom>
         </p:spPr>
-        <p:txBody>
-          <a:bodyPr/>
-          <a:lstStyle/>
-          <a:p>
-            <a:r>
-              <a:rPr lang="en-US" dirty="0"/>
-              <a:t>Preprocessed Elon Musk data</a:t>
-            </a:r>
-            <a:br>
-              <a:rPr lang="en-US" dirty="0"/>
-            </a:br>
-            <a:r>
-              <a:rPr lang="en-US" dirty="0">
-                <a:hlinkClick r:id="rId2"/>
-              </a:rPr>
-              <a:t>https://www.dropbox.com/s/ovnsrgg1fou1y0r/MuskTweetsPreProcessed.csv?dl=0</a:t>
-            </a:r>
-            <a:endParaRPr lang="en-US" dirty="0"/>
-          </a:p>
-          <a:p>
-            <a:endParaRPr lang="en-US" dirty="0"/>
-          </a:p>
-          <a:p>
-            <a:r>
-              <a:rPr lang="en-US" dirty="0"/>
-              <a:t>Kaggle Elon Musk dataset</a:t>
-            </a:r>
-            <a:br>
-              <a:rPr lang="en-US" dirty="0"/>
-            </a:br>
-            <a:r>
-              <a:rPr lang="en-US" dirty="0">
-                <a:hlinkClick r:id="rId3"/>
-              </a:rPr>
-              <a:t>https://www.kaggle.com/kulgen/elon-musks-tweets</a:t>
-            </a:r>
-            <a:br>
-              <a:rPr lang="en-US" dirty="0"/>
-            </a:br>
-            <a:endParaRPr lang="en-US" dirty="0"/>
-          </a:p>
-          <a:p>
-            <a:r>
-              <a:rPr lang="en-SG" dirty="0"/>
-              <a:t>QuantConnect custom data docs</a:t>
-            </a:r>
-            <a:br>
-              <a:rPr lang="en-SG" dirty="0"/>
-            </a:br>
-            <a:r>
-              <a:rPr lang="en-SG" dirty="0">
-                <a:hlinkClick r:id="rId4"/>
-              </a:rPr>
-              <a:t>https://www.quantconnect.com/docs/algorithm-reference/importing-custom-data?ref=towm</a:t>
-            </a:r>
-            <a:br>
-              <a:rPr lang="en-SG" dirty="0"/>
-            </a:br>
-            <a:endParaRPr lang="en-SG" dirty="0"/>
-          </a:p>
-          <a:p>
-            <a:endParaRPr lang="en-SG" dirty="0"/>
-          </a:p>
-        </p:txBody>
-      </p:sp>
+      </p:pic>
+      <p:pic>
+        <p:nvPicPr>
+          <p:cNvPr id="6" name="Picture 5">
+            <a:extLst>
+              <a:ext uri="{FF2B5EF4-FFF2-40B4-BE49-F238E27FC236}">
+                <a16:creationId xmlns:a16="http://schemas.microsoft.com/office/drawing/2014/main" id="{AA57F89D-EFBD-A981-06CF-E089FB79C133}"/>
+              </a:ext>
+            </a:extLst>
+          </p:cNvPr>
+          <p:cNvPicPr>
+            <a:picLocks noChangeAspect="1"/>
+          </p:cNvPicPr>
+          <p:nvPr/>
+        </p:nvPicPr>
+        <p:blipFill>
+          <a:blip r:embed="rId3"/>
+          <a:stretch>
+            <a:fillRect/>
+          </a:stretch>
+        </p:blipFill>
+        <p:spPr>
+          <a:xfrm>
+            <a:off x="5611090" y="309182"/>
+            <a:ext cx="6580909" cy="5430008"/>
+          </a:xfrm>
+          <a:prstGeom prst="rect">
+            <a:avLst/>
+          </a:prstGeom>
+        </p:spPr>
+      </p:pic>
     </p:spTree>
     <p:extLst>
       <p:ext uri="{BB962C8B-B14F-4D97-AF65-F5344CB8AC3E}">
-        <p14:creationId xmlns:p14="http://schemas.microsoft.com/office/powerpoint/2010/main" val="3771744701"/>
+        <p14:creationId xmlns:p14="http://schemas.microsoft.com/office/powerpoint/2010/main" val="3590820926"/>
       </p:ext>
     </p:extLst>
   </p:cSld>
